--- a/Insert_New_Slide_In_PPT/PPT_Folder/NewBlankPresentation1.pptx
+++ b/Insert_New_Slide_In_PPT/PPT_Folder/NewBlankPresentation1.pptx
@@ -6,6 +6,7 @@
   </p:sldMasterIdLst>
   <p:sldIdLst>
     <p:sldId id="256" r:id="rId2"/>
+    <p:sldId id="258" r:id="Rc68a84d96f234d16"/>
     <p:sldId id="257" r:id="Rbfd1d8c104df4c19"/>
   </p:sldIdLst>
   <p:sldSz cx="12192000" cy="6858000"/>
@@ -3458,6 +3459,58 @@
 </p:sld>
 </file>
 
+<file path=ppt/slides/slide3.xml><?xml version="1.0" encoding="utf-8"?>
+<p:sld xmlns:p="http://schemas.openxmlformats.org/presentationml/2006/main">
+  <p:cSld>
+    <p:spTree>
+      <a:nvGrpSpPr xmlns:a="http://schemas.openxmlformats.org/drawingml/2006/main">
+        <a:cNvPr id="1" name=""/>
+        <a:cNvGrpSpPr/>
+      </a:nvGrpSpPr>
+      <p:grpSpPr/>
+      <p:sp>
+        <p:nvSpPr>
+          <a:cNvPr xmlns:a="http://schemas.openxmlformats.org/drawingml/2006/main" id="2" name="Title"/>
+          <a:cNvSpPr xmlns:a="http://schemas.openxmlformats.org/drawingml/2006/main">
+            <a:spLocks noGrp="1"/>
+          </a:cNvSpPr>
+          <p:nvPr>
+            <p:ph type="title"/>
+          </p:nvPr>
+        </p:nvSpPr>
+        <p:spPr/>
+        <p:txBody>
+          <a:bodyPr xmlns:a="http://schemas.openxmlformats.org/drawingml/2006/main"/>
+          <a:lstStyle xmlns:a="http://schemas.openxmlformats.org/drawingml/2006/main"/>
+          <a:p xmlns:a="http://schemas.openxmlformats.org/drawingml/2006/main">
+            <a:r>
+              <a:t>First Slide Insertion</a:t>
+            </a:r>
+          </a:p>
+        </p:txBody>
+      </p:sp>
+      <p:sp>
+        <p:nvSpPr>
+          <a:cNvPr xmlns:a="http://schemas.openxmlformats.org/drawingml/2006/main" id="3" name="Content Placeholder"/>
+          <a:cNvSpPr xmlns:a="http://schemas.openxmlformats.org/drawingml/2006/main">
+            <a:spLocks noGrp="1"/>
+          </a:cNvSpPr>
+          <p:nvPr>
+            <p:ph idx="1"/>
+          </p:nvPr>
+        </p:nvSpPr>
+        <p:spPr/>
+        <p:txBody>
+          <a:bodyPr xmlns:a="http://schemas.openxmlformats.org/drawingml/2006/main"/>
+          <a:lstStyle xmlns:a="http://schemas.openxmlformats.org/drawingml/2006/main"/>
+          <a:p xmlns:a="http://schemas.openxmlformats.org/drawingml/2006/main"/>
+        </p:txBody>
+      </p:sp>
+    </p:spTree>
+  </p:cSld>
+</p:sld>
+</file>
+
 <file path=ppt/theme/theme1.xml><?xml version="1.0" encoding="utf-8"?>
 <a:theme xmlns:a="http://schemas.openxmlformats.org/drawingml/2006/main" name="Office Theme">
   <a:themeElements>

--- a/Insert_New_Slide_In_PPT/PPT_Folder/NewBlankPresentation1.pptx
+++ b/Insert_New_Slide_In_PPT/PPT_Folder/NewBlankPresentation1.pptx
@@ -6,8 +6,6 @@
   </p:sldMasterIdLst>
   <p:sldIdLst>
     <p:sldId id="256" r:id="rId2"/>
-    <p:sldId id="258" r:id="Rc68a84d96f234d16"/>
-    <p:sldId id="257" r:id="Rbfd1d8c104df4c19"/>
   </p:sldIdLst>
   <p:sldSz cx="12192000" cy="6858000"/>
   <p:notesSz cx="6858000" cy="9144000"/>
@@ -3407,110 +3405,6 @@
 </p:sld>
 </file>
 
-<file path=ppt/slides/slide2.xml><?xml version="1.0" encoding="utf-8"?>
-<p:sld xmlns:p="http://schemas.openxmlformats.org/presentationml/2006/main">
-  <p:cSld>
-    <p:spTree>
-      <a:nvGrpSpPr xmlns:a="http://schemas.openxmlformats.org/drawingml/2006/main">
-        <a:cNvPr id="1" name=""/>
-        <a:cNvGrpSpPr/>
-      </a:nvGrpSpPr>
-      <p:grpSpPr/>
-      <p:sp>
-        <p:nvSpPr>
-          <a:cNvPr xmlns:a="http://schemas.openxmlformats.org/drawingml/2006/main" id="2" name="Title"/>
-          <a:cNvSpPr xmlns:a="http://schemas.openxmlformats.org/drawingml/2006/main">
-            <a:spLocks noGrp="1"/>
-          </a:cNvSpPr>
-          <p:nvPr>
-            <p:ph type="title"/>
-          </p:nvPr>
-        </p:nvSpPr>
-        <p:spPr/>
-        <p:txBody>
-          <a:bodyPr xmlns:a="http://schemas.openxmlformats.org/drawingml/2006/main"/>
-          <a:lstStyle xmlns:a="http://schemas.openxmlformats.org/drawingml/2006/main"/>
-          <a:p xmlns:a="http://schemas.openxmlformats.org/drawingml/2006/main">
-            <a:r>
-              <a:t>First Slide Insertion</a:t>
-            </a:r>
-          </a:p>
-        </p:txBody>
-      </p:sp>
-      <p:sp>
-        <p:nvSpPr>
-          <a:cNvPr xmlns:a="http://schemas.openxmlformats.org/drawingml/2006/main" id="3" name="Content Placeholder"/>
-          <a:cNvSpPr xmlns:a="http://schemas.openxmlformats.org/drawingml/2006/main">
-            <a:spLocks noGrp="1"/>
-          </a:cNvSpPr>
-          <p:nvPr>
-            <p:ph idx="1"/>
-          </p:nvPr>
-        </p:nvSpPr>
-        <p:spPr/>
-        <p:txBody>
-          <a:bodyPr xmlns:a="http://schemas.openxmlformats.org/drawingml/2006/main"/>
-          <a:lstStyle xmlns:a="http://schemas.openxmlformats.org/drawingml/2006/main"/>
-          <a:p xmlns:a="http://schemas.openxmlformats.org/drawingml/2006/main"/>
-        </p:txBody>
-      </p:sp>
-    </p:spTree>
-  </p:cSld>
-</p:sld>
-</file>
-
-<file path=ppt/slides/slide3.xml><?xml version="1.0" encoding="utf-8"?>
-<p:sld xmlns:p="http://schemas.openxmlformats.org/presentationml/2006/main">
-  <p:cSld>
-    <p:spTree>
-      <a:nvGrpSpPr xmlns:a="http://schemas.openxmlformats.org/drawingml/2006/main">
-        <a:cNvPr id="1" name=""/>
-        <a:cNvGrpSpPr/>
-      </a:nvGrpSpPr>
-      <p:grpSpPr/>
-      <p:sp>
-        <p:nvSpPr>
-          <a:cNvPr xmlns:a="http://schemas.openxmlformats.org/drawingml/2006/main" id="2" name="Title"/>
-          <a:cNvSpPr xmlns:a="http://schemas.openxmlformats.org/drawingml/2006/main">
-            <a:spLocks noGrp="1"/>
-          </a:cNvSpPr>
-          <p:nvPr>
-            <p:ph type="title"/>
-          </p:nvPr>
-        </p:nvSpPr>
-        <p:spPr/>
-        <p:txBody>
-          <a:bodyPr xmlns:a="http://schemas.openxmlformats.org/drawingml/2006/main"/>
-          <a:lstStyle xmlns:a="http://schemas.openxmlformats.org/drawingml/2006/main"/>
-          <a:p xmlns:a="http://schemas.openxmlformats.org/drawingml/2006/main">
-            <a:r>
-              <a:t>First Slide Insertion</a:t>
-            </a:r>
-          </a:p>
-        </p:txBody>
-      </p:sp>
-      <p:sp>
-        <p:nvSpPr>
-          <a:cNvPr xmlns:a="http://schemas.openxmlformats.org/drawingml/2006/main" id="3" name="Content Placeholder"/>
-          <a:cNvSpPr xmlns:a="http://schemas.openxmlformats.org/drawingml/2006/main">
-            <a:spLocks noGrp="1"/>
-          </a:cNvSpPr>
-          <p:nvPr>
-            <p:ph idx="1"/>
-          </p:nvPr>
-        </p:nvSpPr>
-        <p:spPr/>
-        <p:txBody>
-          <a:bodyPr xmlns:a="http://schemas.openxmlformats.org/drawingml/2006/main"/>
-          <a:lstStyle xmlns:a="http://schemas.openxmlformats.org/drawingml/2006/main"/>
-          <a:p xmlns:a="http://schemas.openxmlformats.org/drawingml/2006/main"/>
-        </p:txBody>
-      </p:sp>
-    </p:spTree>
-  </p:cSld>
-</p:sld>
-</file>
-
 <file path=ppt/theme/theme1.xml><?xml version="1.0" encoding="utf-8"?>
 <a:theme xmlns:a="http://schemas.openxmlformats.org/drawingml/2006/main" name="Office Theme">
   <a:themeElements>
